--- a/IMPACT_DryClean_v1.pptx
+++ b/IMPACT_DryClean_v1.pptx
@@ -12,6 +12,7 @@
     <p:sldId id="260" r:id="rId6"/>
     <p:sldId id="261" r:id="rId7"/>
     <p:sldId id="262" r:id="rId8"/>
+    <p:sldId id="263" r:id="rId9"/>
   </p:sldIdLst>
   <p:sldSz cx="12192000" cy="6858000"/>
   <p:notesSz cx="6858000" cy="9144000"/>
@@ -3470,11 +3471,16 @@
         </p:nvSpPr>
         <p:spPr/>
         <p:txBody>
-          <a:bodyPr/>
-          <a:lstStyle/>
-          <a:p>
-            <a:r>
-              <a:rPr lang="en-AT" dirty="0"/>
+          <a:bodyPr>
+            <a:normAutofit/>
+          </a:bodyPr>
+          <a:lstStyle/>
+          <a:p>
+            <a:r>
+              <a:rPr lang="en-AT" sz="3200" dirty="0">
+                <a:latin typeface="Times New Roman" panose="02020603050405020304" pitchFamily="18" charset="0"/>
+                <a:cs typeface="Times New Roman" panose="02020603050405020304" pitchFamily="18" charset="0"/>
+              </a:rPr>
               <a:t>Data</a:t>
             </a:r>
           </a:p>
@@ -3606,11 +3612,16 @@
         </p:nvSpPr>
         <p:spPr/>
         <p:txBody>
-          <a:bodyPr/>
-          <a:lstStyle/>
-          <a:p>
-            <a:r>
-              <a:rPr lang="en-AT" dirty="0"/>
+          <a:bodyPr>
+            <a:normAutofit/>
+          </a:bodyPr>
+          <a:lstStyle/>
+          <a:p>
+            <a:r>
+              <a:rPr lang="en-AT" sz="3200" dirty="0">
+                <a:latin typeface="Times New Roman" panose="02020603050405020304" pitchFamily="18" charset="0"/>
+                <a:cs typeface="Times New Roman" panose="02020603050405020304" pitchFamily="18" charset="0"/>
+              </a:rPr>
               <a:t>Creating the PON</a:t>
             </a:r>
           </a:p>
@@ -3634,44 +3645,100 @@
         </p:nvSpPr>
         <p:spPr/>
         <p:txBody>
-          <a:bodyPr/>
-          <a:lstStyle/>
-          <a:p>
-            <a:r>
-              <a:rPr lang="en-AT" dirty="0"/>
-              <a:t>147,182 x 992 samples matrix</a:t>
-            </a:r>
-          </a:p>
-          <a:p>
-            <a:r>
-              <a:rPr lang="en-AT" dirty="0"/>
-              <a:t>95% position match – 1bp bins</a:t>
+          <a:bodyPr>
+            <a:normAutofit/>
+          </a:bodyPr>
+          <a:lstStyle/>
+          <a:p>
+            <a:r>
+              <a:rPr lang="en-GB" sz="2400" dirty="0">
+                <a:latin typeface="Times New Roman" panose="02020603050405020304" pitchFamily="18" charset="0"/>
+                <a:cs typeface="Times New Roman" panose="02020603050405020304" pitchFamily="18" charset="0"/>
+              </a:rPr>
+              <a:t>&gt;35 reads (coverage) per position are required</a:t>
+            </a:r>
+          </a:p>
+          <a:p>
+            <a:r>
+              <a:rPr lang="en-GB" sz="2400" dirty="0">
+                <a:latin typeface="Times New Roman" panose="02020603050405020304" pitchFamily="18" charset="0"/>
+                <a:cs typeface="Times New Roman" panose="02020603050405020304" pitchFamily="18" charset="0"/>
+              </a:rPr>
+              <a:t>1–22, X chromosomes</a:t>
+            </a:r>
+          </a:p>
+          <a:p>
+            <a:r>
+              <a:rPr lang="en-AT" sz="2400" dirty="0">
+                <a:latin typeface="Times New Roman" panose="02020603050405020304" pitchFamily="18" charset="0"/>
+                <a:cs typeface="Times New Roman" panose="02020603050405020304" pitchFamily="18" charset="0"/>
+              </a:rPr>
+              <a:t>&gt;95% of positions must match (bp level) across all samples</a:t>
+            </a:r>
+          </a:p>
+          <a:p>
+            <a:r>
+              <a:rPr lang="en-GB" sz="2400" dirty="0">
+                <a:latin typeface="Times New Roman" panose="02020603050405020304" pitchFamily="18" charset="0"/>
+                <a:cs typeface="Times New Roman" panose="02020603050405020304" pitchFamily="18" charset="0"/>
+              </a:rPr>
+              <a:t>m</a:t>
+            </a:r>
+            <a:r>
+              <a:rPr lang="en-AT" sz="2400" dirty="0">
+                <a:latin typeface="Times New Roman" panose="02020603050405020304" pitchFamily="18" charset="0"/>
+                <a:cs typeface="Times New Roman" panose="02020603050405020304" pitchFamily="18" charset="0"/>
+              </a:rPr>
+              <a:t>ean normalization [x / mean(x)] = reads.corrected</a:t>
+            </a:r>
+          </a:p>
+          <a:p>
+            <a:r>
+              <a:rPr lang="en-AT" sz="2400" dirty="0">
+                <a:latin typeface="Times New Roman" panose="02020603050405020304" pitchFamily="18" charset="0"/>
+                <a:cs typeface="Times New Roman" panose="02020603050405020304" pitchFamily="18" charset="0"/>
+              </a:rPr>
+              <a:t>147,182 x 992 matrix</a:t>
+            </a:r>
+          </a:p>
+          <a:p>
+            <a:endParaRPr lang="en-GB" sz="2400" dirty="0">
+              <a:latin typeface="Times New Roman" panose="02020603050405020304" pitchFamily="18" charset="0"/>
+              <a:cs typeface="Times New Roman" panose="02020603050405020304" pitchFamily="18" charset="0"/>
+            </a:endParaRPr>
+          </a:p>
+          <a:p>
+            <a:r>
+              <a:rPr lang="en-GB" sz="2400" dirty="0">
+                <a:latin typeface="Times New Roman" panose="02020603050405020304" pitchFamily="18" charset="0"/>
+                <a:cs typeface="Times New Roman" panose="02020603050405020304" pitchFamily="18" charset="0"/>
+              </a:rPr>
+              <a:t>d</a:t>
+            </a:r>
+            <a:r>
+              <a:rPr lang="en-AT" sz="2400" dirty="0">
+                <a:latin typeface="Times New Roman" panose="02020603050405020304" pitchFamily="18" charset="0"/>
+                <a:cs typeface="Times New Roman" panose="02020603050405020304" pitchFamily="18" charset="0"/>
+              </a:rPr>
+              <a:t>etergent:</a:t>
             </a:r>
           </a:p>
           <a:p>
             <a:pPr lvl="1"/>
             <a:r>
-              <a:rPr lang="en-GB" dirty="0"/>
-              <a:t>I</a:t>
-            </a:r>
-            <a:r>
-              <a:rPr lang="en-AT" dirty="0"/>
-              <a:t>f there is one missing – fill with 1 (doesn’t influence the reads.corrected; mean-normalization)</a:t>
-            </a:r>
-          </a:p>
-          <a:p>
-            <a:r>
-              <a:rPr lang="en-GB" dirty="0"/>
-              <a:t>d</a:t>
-            </a:r>
-            <a:r>
-              <a:rPr lang="en-AT" dirty="0"/>
-              <a:t>etergent:</a:t>
-            </a:r>
-          </a:p>
-          <a:p>
-            <a:pPr lvl="1"/>
-            <a:endParaRPr lang="en-AT" dirty="0"/>
+              <a:rPr lang="en-GB" dirty="0">
+                <a:latin typeface="Times New Roman" panose="02020603050405020304" pitchFamily="18" charset="0"/>
+                <a:cs typeface="Times New Roman" panose="02020603050405020304" pitchFamily="18" charset="0"/>
+              </a:rPr>
+              <a:t>p</a:t>
+            </a:r>
+            <a:r>
+              <a:rPr lang="en-AT" dirty="0">
+                <a:latin typeface="Times New Roman" panose="02020603050405020304" pitchFamily="18" charset="0"/>
+                <a:cs typeface="Times New Roman" panose="02020603050405020304" pitchFamily="18" charset="0"/>
+              </a:rPr>
+              <a:t>arameters to look at?</a:t>
+            </a:r>
           </a:p>
           <a:p>
             <a:pPr lvl="1"/>
@@ -3742,11 +3809,18 @@
           <a:lstStyle/>
           <a:p>
             <a:r>
+              <a:rPr lang="en-GB" sz="3200" dirty="0">
+                <a:latin typeface="Times New Roman" panose="02020603050405020304" pitchFamily="18" charset="0"/>
+                <a:cs typeface="Times New Roman" panose="02020603050405020304" pitchFamily="18" charset="0"/>
+              </a:rPr>
+              <a:t>I</a:t>
+            </a:r>
+            <a:r>
               <a:rPr lang="en-AT" sz="3200" dirty="0">
                 <a:latin typeface="Times New Roman" panose="02020603050405020304" pitchFamily="18" charset="0"/>
                 <a:cs typeface="Times New Roman" panose="02020603050405020304" pitchFamily="18" charset="0"/>
               </a:rPr>
-              <a:t>Germline; detect germline events</a:t>
+              <a:t>dentify germline events</a:t>
             </a:r>
           </a:p>
         </p:txBody>
@@ -3772,6 +3846,160 @@
           <a:bodyPr/>
           <a:lstStyle/>
           <a:p>
+            <a:pPr marL="0" indent="0">
+              <a:buNone/>
+            </a:pPr>
+            <a:r>
+              <a:rPr lang="en-GB" sz="2400" dirty="0">
+                <a:latin typeface="Times New Roman" panose="02020603050405020304" pitchFamily="18" charset="0"/>
+                <a:cs typeface="Times New Roman" panose="02020603050405020304" pitchFamily="18" charset="0"/>
+              </a:rPr>
+              <a:t>decomposition of the normal (n=488); </a:t>
+            </a:r>
+            <a:r>
+              <a:rPr lang="en-GB" sz="2400" i="1" dirty="0">
+                <a:latin typeface="Times New Roman" panose="02020603050405020304" pitchFamily="18" charset="0"/>
+                <a:cs typeface="Times New Roman" panose="02020603050405020304" pitchFamily="18" charset="0"/>
+              </a:rPr>
+              <a:t>s</a:t>
+            </a:r>
+            <a:r>
+              <a:rPr lang="en-AT" sz="2400" i="1" dirty="0">
+                <a:latin typeface="Times New Roman" panose="02020603050405020304" pitchFamily="18" charset="0"/>
+                <a:cs typeface="Times New Roman" panose="02020603050405020304" pitchFamily="18" charset="0"/>
+              </a:rPr>
+              <a:t>tart_wash_cycle(default parameters)</a:t>
+            </a:r>
+          </a:p>
+          <a:p>
+            <a:pPr marL="0" indent="0">
+              <a:buNone/>
+            </a:pPr>
+            <a:r>
+              <a:rPr lang="en-GB" sz="2400" i="1" dirty="0">
+                <a:latin typeface="Times New Roman" panose="02020603050405020304" pitchFamily="18" charset="0"/>
+                <a:cs typeface="Times New Roman" panose="02020603050405020304" pitchFamily="18" charset="0"/>
+              </a:rPr>
+              <a:t>I</a:t>
+            </a:r>
+            <a:r>
+              <a:rPr lang="en-AT" sz="2400" i="1" dirty="0">
+                <a:latin typeface="Times New Roman" panose="02020603050405020304" pitchFamily="18" charset="0"/>
+                <a:cs typeface="Times New Roman" panose="02020603050405020304" pitchFamily="18" charset="0"/>
+              </a:rPr>
+              <a:t>s there anything we can learn from the decomposed normals?</a:t>
+            </a:r>
+            <a:endParaRPr lang="en-GB" sz="2400" i="1" dirty="0">
+              <a:latin typeface="Times New Roman" panose="02020603050405020304" pitchFamily="18" charset="0"/>
+              <a:cs typeface="Times New Roman" panose="02020603050405020304" pitchFamily="18" charset="0"/>
+            </a:endParaRPr>
+          </a:p>
+          <a:p>
+            <a:pPr marL="0" indent="0">
+              <a:buNone/>
+            </a:pPr>
+            <a:endParaRPr lang="en-GB" sz="2400" dirty="0">
+              <a:latin typeface="Times New Roman" panose="02020603050405020304" pitchFamily="18" charset="0"/>
+              <a:cs typeface="Times New Roman" panose="02020603050405020304" pitchFamily="18" charset="0"/>
+            </a:endParaRPr>
+          </a:p>
+          <a:p>
+            <a:pPr marL="0" indent="0">
+              <a:buNone/>
+            </a:pPr>
+            <a:endParaRPr lang="en-GB" sz="2400" dirty="0">
+              <a:latin typeface="Times New Roman" panose="02020603050405020304" pitchFamily="18" charset="0"/>
+              <a:cs typeface="Times New Roman" panose="02020603050405020304" pitchFamily="18" charset="0"/>
+            </a:endParaRPr>
+          </a:p>
+          <a:p>
+            <a:pPr marL="0" indent="0">
+              <a:buNone/>
+            </a:pPr>
+            <a:r>
+              <a:rPr lang="en-GB" sz="2400" i="1" dirty="0" err="1">
+                <a:latin typeface="Times New Roman" panose="02020603050405020304" pitchFamily="18" charset="0"/>
+                <a:cs typeface="Times New Roman" panose="02020603050405020304" pitchFamily="18" charset="0"/>
+              </a:rPr>
+              <a:t>identify_germline</a:t>
+            </a:r>
+            <a:r>
+              <a:rPr lang="en-GB" sz="2400" i="1" dirty="0">
+                <a:latin typeface="Times New Roman" panose="02020603050405020304" pitchFamily="18" charset="0"/>
+                <a:cs typeface="Times New Roman" panose="02020603050405020304" pitchFamily="18" charset="0"/>
+              </a:rPr>
+              <a:t>(</a:t>
+            </a:r>
+            <a:r>
+              <a:rPr lang="en-GB" sz="2400" i="1" dirty="0" err="1">
+                <a:effectLst/>
+              </a:rPr>
+              <a:t>signal.thresh</a:t>
+            </a:r>
+            <a:r>
+              <a:rPr lang="en-GB" sz="2400" i="1" dirty="0">
+                <a:effectLst/>
+              </a:rPr>
+              <a:t>=0.5</a:t>
+            </a:r>
+            <a:r>
+              <a:rPr lang="en-GB" sz="2400" i="1" dirty="0"/>
+              <a:t>, </a:t>
+            </a:r>
+            <a:r>
+              <a:rPr lang="en-GB" sz="2400" i="1" dirty="0" err="1">
+                <a:effectLst/>
+              </a:rPr>
+              <a:t>pct.thresh</a:t>
+            </a:r>
+            <a:r>
+              <a:rPr lang="en-GB" sz="2400" i="1" dirty="0">
+                <a:effectLst/>
+              </a:rPr>
+              <a:t>=0.98</a:t>
+            </a:r>
+            <a:r>
+              <a:rPr lang="en-GB" sz="2400" i="1" dirty="0"/>
+              <a:t>)</a:t>
+            </a:r>
+          </a:p>
+          <a:p>
+            <a:pPr marL="0" indent="0">
+              <a:buNone/>
+            </a:pPr>
+            <a:endParaRPr lang="en-GB" sz="2400" i="1" dirty="0">
+              <a:latin typeface="Times New Roman" panose="02020603050405020304" pitchFamily="18" charset="0"/>
+              <a:cs typeface="Times New Roman" panose="02020603050405020304" pitchFamily="18" charset="0"/>
+            </a:endParaRPr>
+          </a:p>
+          <a:p>
+            <a:pPr marL="0" indent="0">
+              <a:buNone/>
+            </a:pPr>
+            <a:r>
+              <a:rPr lang="en-GB" sz="2400" dirty="0">
+                <a:latin typeface="Times New Roman" panose="02020603050405020304" pitchFamily="18" charset="0"/>
+                <a:cs typeface="Times New Roman" panose="02020603050405020304" pitchFamily="18" charset="0"/>
+              </a:rPr>
+              <a:t>TRUE – FALSE output? How to interpret?</a:t>
+            </a:r>
+          </a:p>
+          <a:p>
+            <a:pPr marL="0" indent="0">
+              <a:buNone/>
+            </a:pPr>
+            <a:r>
+              <a:rPr lang="en-AT" sz="2400" dirty="0">
+                <a:latin typeface="Times New Roman" panose="02020603050405020304" pitchFamily="18" charset="0"/>
+                <a:cs typeface="Times New Roman" panose="02020603050405020304" pitchFamily="18" charset="0"/>
+              </a:rPr>
+              <a:t>(warning: more than 50% identified; consider adjusting parameters…)</a:t>
+            </a:r>
+          </a:p>
+          <a:p>
+            <a:pPr marL="0" indent="0">
+              <a:buNone/>
+            </a:pPr>
             <a:endParaRPr lang="en-AT" dirty="0"/>
           </a:p>
         </p:txBody>
@@ -3841,21 +4069,7 @@
                 <a:latin typeface="Times New Roman" panose="02020603050405020304" pitchFamily="18" charset="0"/>
                 <a:cs typeface="Times New Roman" panose="02020603050405020304" pitchFamily="18" charset="0"/>
               </a:rPr>
-              <a:t>Ranges object (for </a:t>
-            </a:r>
-            <a:r>
-              <a:rPr lang="en-GB" sz="3200" dirty="0" err="1">
-                <a:latin typeface="Times New Roman" panose="02020603050405020304" pitchFamily="18" charset="0"/>
-                <a:cs typeface="Times New Roman" panose="02020603050405020304" pitchFamily="18" charset="0"/>
-              </a:rPr>
-              <a:t>dryClean</a:t>
-            </a:r>
-            <a:r>
-              <a:rPr lang="en-GB" sz="3200" dirty="0">
-                <a:latin typeface="Times New Roman" panose="02020603050405020304" pitchFamily="18" charset="0"/>
-                <a:cs typeface="Times New Roman" panose="02020603050405020304" pitchFamily="18" charset="0"/>
-              </a:rPr>
-              <a:t> processing)</a:t>
+              <a:t>Ranges object</a:t>
             </a:r>
             <a:endParaRPr lang="en-AT" sz="3200" dirty="0">
               <a:latin typeface="Times New Roman" panose="02020603050405020304" pitchFamily="18" charset="0"/>
@@ -3882,10 +4096,66 @@
         </p:nvSpPr>
         <p:spPr/>
         <p:txBody>
-          <a:bodyPr/>
-          <a:lstStyle/>
-          <a:p>
-            <a:endParaRPr lang="en-AT" dirty="0"/>
+          <a:bodyPr>
+            <a:normAutofit/>
+          </a:bodyPr>
+          <a:lstStyle/>
+          <a:p>
+            <a:r>
+              <a:rPr lang="en-GB" sz="2400" dirty="0">
+                <a:latin typeface="Times New Roman" panose="02020603050405020304" pitchFamily="18" charset="0"/>
+                <a:cs typeface="Times New Roman" panose="02020603050405020304" pitchFamily="18" charset="0"/>
+              </a:rPr>
+              <a:t>S</a:t>
+            </a:r>
+            <a:r>
+              <a:rPr lang="en-AT" sz="2400" dirty="0">
+                <a:latin typeface="Times New Roman" panose="02020603050405020304" pitchFamily="18" charset="0"/>
+                <a:cs typeface="Times New Roman" panose="02020603050405020304" pitchFamily="18" charset="0"/>
+              </a:rPr>
+              <a:t>ame postions as normals (PON)</a:t>
+            </a:r>
+          </a:p>
+          <a:p>
+            <a:r>
+              <a:rPr lang="en-AT" sz="2400" dirty="0">
+                <a:latin typeface="Times New Roman" panose="02020603050405020304" pitchFamily="18" charset="0"/>
+                <a:cs typeface="Times New Roman" panose="02020603050405020304" pitchFamily="18" charset="0"/>
+              </a:rPr>
+              <a:t>&gt;95% positions must be shared (otherwise no calculation possible)</a:t>
+            </a:r>
+          </a:p>
+          <a:p>
+            <a:r>
+              <a:rPr lang="en-GB" sz="2400" dirty="0">
+                <a:latin typeface="Times New Roman" panose="02020603050405020304" pitchFamily="18" charset="0"/>
+                <a:cs typeface="Times New Roman" panose="02020603050405020304" pitchFamily="18" charset="0"/>
+              </a:rPr>
+              <a:t>c</a:t>
+            </a:r>
+            <a:r>
+              <a:rPr lang="en-AT" sz="2400" dirty="0">
+                <a:latin typeface="Times New Roman" panose="02020603050405020304" pitchFamily="18" charset="0"/>
+                <a:cs typeface="Times New Roman" panose="02020603050405020304" pitchFamily="18" charset="0"/>
+              </a:rPr>
+              <a:t>overage &gt; 30 reads per position</a:t>
+            </a:r>
+          </a:p>
+          <a:p>
+            <a:r>
+              <a:rPr lang="en-GB" sz="2400" dirty="0">
+                <a:latin typeface="Times New Roman" panose="02020603050405020304" pitchFamily="18" charset="0"/>
+                <a:cs typeface="Times New Roman" panose="02020603050405020304" pitchFamily="18" charset="0"/>
+              </a:rPr>
+              <a:t>u</a:t>
+            </a:r>
+            <a:r>
+              <a:rPr lang="en-AT" sz="2400" dirty="0">
+                <a:latin typeface="Times New Roman" panose="02020603050405020304" pitchFamily="18" charset="0"/>
+                <a:cs typeface="Times New Roman" panose="02020603050405020304" pitchFamily="18" charset="0"/>
+              </a:rPr>
+              <a:t>sing total read-depth</a:t>
+            </a:r>
           </a:p>
         </p:txBody>
       </p:sp>
@@ -3942,7 +4212,7 @@
           <a:p>
             <a:r>
               <a:rPr lang="en-AT" dirty="0"/>
-              <a:t>Running DryClean without germline file</a:t>
+              <a:t>DryClean on tumor samples</a:t>
             </a:r>
           </a:p>
         </p:txBody>
@@ -3968,7 +4238,30 @@
           <a:bodyPr/>
           <a:lstStyle/>
           <a:p>
-            <a:endParaRPr lang="en-AT"/>
+            <a:r>
+              <a:rPr lang="en-GB" dirty="0"/>
+              <a:t>I</a:t>
+            </a:r>
+            <a:r>
+              <a:rPr lang="en-AT" dirty="0"/>
+              <a:t>s there any difference in running with germline file or not?</a:t>
+            </a:r>
+          </a:p>
+          <a:p>
+            <a:r>
+              <a:rPr lang="en-AT" dirty="0"/>
+              <a:t>The output ‘only’ contains 7 metadata columns?</a:t>
+            </a:r>
+          </a:p>
+          <a:p>
+            <a:pPr lvl="1"/>
+            <a:r>
+              <a:rPr lang="en-AT" dirty="0"/>
+              <a:t>What can we learn; with which should we work?</a:t>
+            </a:r>
+          </a:p>
+          <a:p>
+            <a:endParaRPr lang="en-AT" dirty="0"/>
           </a:p>
         </p:txBody>
       </p:sp>
@@ -4020,38 +4313,126 @@
         </p:nvSpPr>
         <p:spPr/>
         <p:txBody>
-          <a:bodyPr/>
-          <a:lstStyle/>
-          <a:p>
+          <a:bodyPr>
+            <a:normAutofit/>
+          </a:bodyPr>
+          <a:lstStyle/>
+          <a:p>
+            <a:r>
+              <a:rPr lang="en-AT" sz="3200" dirty="0">
+                <a:latin typeface="Times New Roman" panose="02020603050405020304" pitchFamily="18" charset="0"/>
+                <a:cs typeface="Times New Roman" panose="02020603050405020304" pitchFamily="18" charset="0"/>
+              </a:rPr>
+              <a:t>Outlook</a:t>
+            </a:r>
+          </a:p>
+        </p:txBody>
+      </p:sp>
+      <p:sp>
+        <p:nvSpPr>
+          <p:cNvPr id="3" name="Content Placeholder 2">
+            <a:extLst>
+              <a:ext uri="{FF2B5EF4-FFF2-40B4-BE49-F238E27FC236}">
+                <a16:creationId xmlns:a16="http://schemas.microsoft.com/office/drawing/2014/main" id="{EF109241-B58B-194B-961C-7CE0E7858421}"/>
+              </a:ext>
+            </a:extLst>
+          </p:cNvPr>
+          <p:cNvSpPr>
+            <a:spLocks noGrp="1"/>
+          </p:cNvSpPr>
+          <p:nvPr>
+            <p:ph idx="1"/>
+          </p:nvPr>
+        </p:nvSpPr>
+        <p:spPr/>
+        <p:txBody>
+          <a:bodyPr/>
+          <a:lstStyle/>
+          <a:p>
+            <a:r>
+              <a:rPr lang="en-GB" dirty="0"/>
+              <a:t>D</a:t>
+            </a:r>
             <a:r>
               <a:rPr lang="en-AT" dirty="0"/>
-              <a:t>Running DryClean with germline substraction</a:t>
-            </a:r>
-          </a:p>
-        </p:txBody>
-      </p:sp>
-      <p:sp>
-        <p:nvSpPr>
-          <p:cNvPr id="3" name="Content Placeholder 2">
-            <a:extLst>
-              <a:ext uri="{FF2B5EF4-FFF2-40B4-BE49-F238E27FC236}">
-                <a16:creationId xmlns:a16="http://schemas.microsoft.com/office/drawing/2014/main" id="{EF109241-B58B-194B-961C-7CE0E7858421}"/>
-              </a:ext>
-            </a:extLst>
-          </p:cNvPr>
-          <p:cNvSpPr>
-            <a:spLocks noGrp="1"/>
-          </p:cNvSpPr>
-          <p:nvPr>
-            <p:ph idx="1"/>
-          </p:nvPr>
-        </p:nvSpPr>
-        <p:spPr/>
-        <p:txBody>
-          <a:bodyPr/>
-          <a:lstStyle/>
-          <a:p>
-            <a:endParaRPr lang="en-AT"/>
+              <a:t>ata logistics</a:t>
+            </a:r>
+          </a:p>
+          <a:p>
+            <a:r>
+              <a:rPr lang="en-GB" dirty="0"/>
+              <a:t>Interpretation of the </a:t>
+            </a:r>
+            <a:r>
+              <a:rPr lang="en-GB" dirty="0" err="1"/>
+              <a:t>dryClean</a:t>
+            </a:r>
+            <a:r>
+              <a:rPr lang="en-GB" dirty="0"/>
+              <a:t> data</a:t>
+            </a:r>
+          </a:p>
+          <a:p>
+            <a:pPr lvl="1"/>
+            <a:r>
+              <a:rPr lang="en-GB" dirty="0"/>
+              <a:t>Running Facets on our side – benchmark on e.g., deep deletions (gene-wise, chromosome-wise)</a:t>
+            </a:r>
+          </a:p>
+          <a:p>
+            <a:pPr lvl="1"/>
+            <a:r>
+              <a:rPr lang="en-GB" dirty="0"/>
+              <a:t>‘real-biological’ benchmark (any specific gene </a:t>
+            </a:r>
+            <a:r>
+              <a:rPr lang="en-GB" dirty="0" err="1"/>
+              <a:t>scna</a:t>
+            </a:r>
+            <a:r>
+              <a:rPr lang="en-GB" dirty="0"/>
+              <a:t> in BRCA known; ERBB2 amplification)</a:t>
+            </a:r>
+          </a:p>
+          <a:p>
+            <a:r>
+              <a:rPr lang="en-GB" dirty="0" err="1"/>
+              <a:t>snp</a:t>
+            </a:r>
+            <a:r>
+              <a:rPr lang="en-GB" dirty="0"/>
+              <a:t>-pileup does not consider any GC correction (</a:t>
+            </a:r>
+            <a:r>
+              <a:rPr lang="en-GB" dirty="0" err="1"/>
+              <a:t>megadepth</a:t>
+            </a:r>
+            <a:r>
+              <a:rPr lang="en-GB" dirty="0"/>
+              <a:t>)</a:t>
+            </a:r>
+          </a:p>
+          <a:p>
+            <a:r>
+              <a:rPr lang="en-GB" dirty="0"/>
+              <a:t>t</a:t>
+            </a:r>
+            <a:r>
+              <a:rPr lang="en-AT" dirty="0"/>
+              <a:t>otal read-depth at given loci – allele-specific run (reference vs alternate)</a:t>
+            </a:r>
+          </a:p>
+          <a:p>
+            <a:r>
+              <a:rPr lang="en-AT" dirty="0"/>
+              <a:t>implemenation with Facets (segmentation)</a:t>
+            </a:r>
+          </a:p>
+          <a:p>
+            <a:endParaRPr lang="en-AT" dirty="0"/>
+          </a:p>
+          <a:p>
+            <a:endParaRPr lang="en-AT" dirty="0"/>
           </a:p>
         </p:txBody>
       </p:sp>
@@ -4059,6 +4440,96 @@
     <p:extLst>
       <p:ext uri="{BB962C8B-B14F-4D97-AF65-F5344CB8AC3E}">
         <p14:creationId xmlns:p14="http://schemas.microsoft.com/office/powerpoint/2010/main" val="2148100266"/>
+      </p:ext>
+    </p:extLst>
+  </p:cSld>
+  <p:clrMapOvr>
+    <a:masterClrMapping/>
+  </p:clrMapOvr>
+</p:sld>
+</file>
+
+<file path=ppt/slides/slide8.xml><?xml version="1.0" encoding="utf-8"?>
+<p:sld xmlns:a="http://schemas.openxmlformats.org/drawingml/2006/main" xmlns:r="http://schemas.openxmlformats.org/officeDocument/2006/relationships" xmlns:p="http://schemas.openxmlformats.org/presentationml/2006/main">
+  <p:cSld>
+    <p:spTree>
+      <p:nvGrpSpPr>
+        <p:cNvPr id="1" name=""/>
+        <p:cNvGrpSpPr/>
+        <p:nvPr/>
+      </p:nvGrpSpPr>
+      <p:grpSpPr>
+        <a:xfrm>
+          <a:off x="0" y="0"/>
+          <a:ext cx="0" cy="0"/>
+          <a:chOff x="0" y="0"/>
+          <a:chExt cx="0" cy="0"/>
+        </a:xfrm>
+      </p:grpSpPr>
+      <p:sp>
+        <p:nvSpPr>
+          <p:cNvPr id="2" name="Title 1">
+            <a:extLst>
+              <a:ext uri="{FF2B5EF4-FFF2-40B4-BE49-F238E27FC236}">
+                <a16:creationId xmlns:a16="http://schemas.microsoft.com/office/drawing/2014/main" id="{5D7CEE03-970B-F046-BBCD-16AD0440DCAA}"/>
+              </a:ext>
+            </a:extLst>
+          </p:cNvPr>
+          <p:cNvSpPr>
+            <a:spLocks noGrp="1"/>
+          </p:cNvSpPr>
+          <p:nvPr>
+            <p:ph type="title"/>
+          </p:nvPr>
+        </p:nvSpPr>
+        <p:spPr/>
+        <p:txBody>
+          <a:bodyPr/>
+          <a:lstStyle/>
+          <a:p>
+            <a:r>
+              <a:rPr lang="en-AT" dirty="0"/>
+              <a:t>MSK WES samples</a:t>
+            </a:r>
+          </a:p>
+        </p:txBody>
+      </p:sp>
+      <p:sp>
+        <p:nvSpPr>
+          <p:cNvPr id="3" name="Content Placeholder 2">
+            <a:extLst>
+              <a:ext uri="{FF2B5EF4-FFF2-40B4-BE49-F238E27FC236}">
+                <a16:creationId xmlns:a16="http://schemas.microsoft.com/office/drawing/2014/main" id="{153E154E-E9D5-1149-9C1F-BCE6FFA2228C}"/>
+              </a:ext>
+            </a:extLst>
+          </p:cNvPr>
+          <p:cNvSpPr>
+            <a:spLocks noGrp="1"/>
+          </p:cNvSpPr>
+          <p:nvPr>
+            <p:ph idx="1"/>
+          </p:nvPr>
+        </p:nvSpPr>
+        <p:spPr/>
+        <p:txBody>
+          <a:bodyPr/>
+          <a:lstStyle/>
+          <a:p>
+            <a:r>
+              <a:rPr lang="en-GB" dirty="0"/>
+              <a:t>F</a:t>
+            </a:r>
+            <a:r>
+              <a:rPr lang="en-AT"/>
+              <a:t>etch the BRCA WES samples</a:t>
+            </a:r>
+          </a:p>
+        </p:txBody>
+      </p:sp>
+    </p:spTree>
+    <p:extLst>
+      <p:ext uri="{BB962C8B-B14F-4D97-AF65-F5344CB8AC3E}">
+        <p14:creationId xmlns:p14="http://schemas.microsoft.com/office/powerpoint/2010/main" val="3134631806"/>
       </p:ext>
     </p:extLst>
   </p:cSld>
